--- a/Presentation1.pptx
+++ b/Presentation1.pptx
@@ -7,6 +7,8 @@
   <p:sldIdLst>
     <p:sldId id="256" r:id="rId2"/>
     <p:sldId id="257" r:id="rId3"/>
+    <p:sldId id="258" r:id="rId4"/>
+    <p:sldId id="259" r:id="rId5"/>
   </p:sldIdLst>
   <p:sldSz cx="12192000" cy="6858000"/>
   <p:notesSz cx="6858000" cy="9144000"/>
@@ -242,9 +244,9 @@
           <a:bodyPr/>
           <a:lstStyle/>
           <a:p>
-            <a:fld id="{EB98E204-B400-4860-8750-BEA1F85E2D3C}" type="datetimeFigureOut">
-              <a:rPr lang="en-US" smtClean="0"/>
-              <a:t>5/14/2018</a:t>
+            <a:fld id="{3A8E15C6-3DDC-44E1-9B93-D1F510B3BC39}" type="datetimeFigureOut">
+              <a:rPr lang="en-US" smtClean="0"/>
+              <a:t>5/20/2018</a:t>
             </a:fld>
             <a:endParaRPr lang="en-US"/>
           </a:p>
@@ -284,7 +286,7 @@
           <a:bodyPr/>
           <a:lstStyle/>
           <a:p>
-            <a:fld id="{0A0D2299-9F12-4AD4-B568-DF0FB44C6E52}" type="slidenum">
+            <a:fld id="{5E6F6807-3D62-4663-8220-52A2C0913852}" type="slidenum">
               <a:rPr lang="en-US" smtClean="0"/>
               <a:t>‹#›</a:t>
             </a:fld>
@@ -295,7 +297,7 @@
     </p:spTree>
     <p:extLst>
       <p:ext uri="{BB962C8B-B14F-4D97-AF65-F5344CB8AC3E}">
-        <p14:creationId xmlns:p14="http://schemas.microsoft.com/office/powerpoint/2010/main" val="1132289484"/>
+        <p14:creationId xmlns:p14="http://schemas.microsoft.com/office/powerpoint/2010/main" val="4244729464"/>
       </p:ext>
     </p:extLst>
   </p:cSld>
@@ -412,9 +414,9 @@
           <a:bodyPr/>
           <a:lstStyle/>
           <a:p>
-            <a:fld id="{EB98E204-B400-4860-8750-BEA1F85E2D3C}" type="datetimeFigureOut">
-              <a:rPr lang="en-US" smtClean="0"/>
-              <a:t>5/14/2018</a:t>
+            <a:fld id="{3A8E15C6-3DDC-44E1-9B93-D1F510B3BC39}" type="datetimeFigureOut">
+              <a:rPr lang="en-US" smtClean="0"/>
+              <a:t>5/20/2018</a:t>
             </a:fld>
             <a:endParaRPr lang="en-US"/>
           </a:p>
@@ -454,7 +456,7 @@
           <a:bodyPr/>
           <a:lstStyle/>
           <a:p>
-            <a:fld id="{0A0D2299-9F12-4AD4-B568-DF0FB44C6E52}" type="slidenum">
+            <a:fld id="{5E6F6807-3D62-4663-8220-52A2C0913852}" type="slidenum">
               <a:rPr lang="en-US" smtClean="0"/>
               <a:t>‹#›</a:t>
             </a:fld>
@@ -465,7 +467,7 @@
     </p:spTree>
     <p:extLst>
       <p:ext uri="{BB962C8B-B14F-4D97-AF65-F5344CB8AC3E}">
-        <p14:creationId xmlns:p14="http://schemas.microsoft.com/office/powerpoint/2010/main" val="2591625692"/>
+        <p14:creationId xmlns:p14="http://schemas.microsoft.com/office/powerpoint/2010/main" val="82091864"/>
       </p:ext>
     </p:extLst>
   </p:cSld>
@@ -592,9 +594,9 @@
           <a:bodyPr/>
           <a:lstStyle/>
           <a:p>
-            <a:fld id="{EB98E204-B400-4860-8750-BEA1F85E2D3C}" type="datetimeFigureOut">
-              <a:rPr lang="en-US" smtClean="0"/>
-              <a:t>5/14/2018</a:t>
+            <a:fld id="{3A8E15C6-3DDC-44E1-9B93-D1F510B3BC39}" type="datetimeFigureOut">
+              <a:rPr lang="en-US" smtClean="0"/>
+              <a:t>5/20/2018</a:t>
             </a:fld>
             <a:endParaRPr lang="en-US"/>
           </a:p>
@@ -634,7 +636,7 @@
           <a:bodyPr/>
           <a:lstStyle/>
           <a:p>
-            <a:fld id="{0A0D2299-9F12-4AD4-B568-DF0FB44C6E52}" type="slidenum">
+            <a:fld id="{5E6F6807-3D62-4663-8220-52A2C0913852}" type="slidenum">
               <a:rPr lang="en-US" smtClean="0"/>
               <a:t>‹#›</a:t>
             </a:fld>
@@ -645,7 +647,7 @@
     </p:spTree>
     <p:extLst>
       <p:ext uri="{BB962C8B-B14F-4D97-AF65-F5344CB8AC3E}">
-        <p14:creationId xmlns:p14="http://schemas.microsoft.com/office/powerpoint/2010/main" val="90204707"/>
+        <p14:creationId xmlns:p14="http://schemas.microsoft.com/office/powerpoint/2010/main" val="3235948711"/>
       </p:ext>
     </p:extLst>
   </p:cSld>
@@ -762,9 +764,9 @@
           <a:bodyPr/>
           <a:lstStyle/>
           <a:p>
-            <a:fld id="{EB98E204-B400-4860-8750-BEA1F85E2D3C}" type="datetimeFigureOut">
-              <a:rPr lang="en-US" smtClean="0"/>
-              <a:t>5/14/2018</a:t>
+            <a:fld id="{3A8E15C6-3DDC-44E1-9B93-D1F510B3BC39}" type="datetimeFigureOut">
+              <a:rPr lang="en-US" smtClean="0"/>
+              <a:t>5/20/2018</a:t>
             </a:fld>
             <a:endParaRPr lang="en-US"/>
           </a:p>
@@ -804,7 +806,7 @@
           <a:bodyPr/>
           <a:lstStyle/>
           <a:p>
-            <a:fld id="{0A0D2299-9F12-4AD4-B568-DF0FB44C6E52}" type="slidenum">
+            <a:fld id="{5E6F6807-3D62-4663-8220-52A2C0913852}" type="slidenum">
               <a:rPr lang="en-US" smtClean="0"/>
               <a:t>‹#›</a:t>
             </a:fld>
@@ -815,7 +817,7 @@
     </p:spTree>
     <p:extLst>
       <p:ext uri="{BB962C8B-B14F-4D97-AF65-F5344CB8AC3E}">
-        <p14:creationId xmlns:p14="http://schemas.microsoft.com/office/powerpoint/2010/main" val="3479427197"/>
+        <p14:creationId xmlns:p14="http://schemas.microsoft.com/office/powerpoint/2010/main" val="3427985657"/>
       </p:ext>
     </p:extLst>
   </p:cSld>
@@ -1008,9 +1010,9 @@
           <a:bodyPr/>
           <a:lstStyle/>
           <a:p>
-            <a:fld id="{EB98E204-B400-4860-8750-BEA1F85E2D3C}" type="datetimeFigureOut">
-              <a:rPr lang="en-US" smtClean="0"/>
-              <a:t>5/14/2018</a:t>
+            <a:fld id="{3A8E15C6-3DDC-44E1-9B93-D1F510B3BC39}" type="datetimeFigureOut">
+              <a:rPr lang="en-US" smtClean="0"/>
+              <a:t>5/20/2018</a:t>
             </a:fld>
             <a:endParaRPr lang="en-US"/>
           </a:p>
@@ -1050,7 +1052,7 @@
           <a:bodyPr/>
           <a:lstStyle/>
           <a:p>
-            <a:fld id="{0A0D2299-9F12-4AD4-B568-DF0FB44C6E52}" type="slidenum">
+            <a:fld id="{5E6F6807-3D62-4663-8220-52A2C0913852}" type="slidenum">
               <a:rPr lang="en-US" smtClean="0"/>
               <a:t>‹#›</a:t>
             </a:fld>
@@ -1061,7 +1063,7 @@
     </p:spTree>
     <p:extLst>
       <p:ext uri="{BB962C8B-B14F-4D97-AF65-F5344CB8AC3E}">
-        <p14:creationId xmlns:p14="http://schemas.microsoft.com/office/powerpoint/2010/main" val="2027282562"/>
+        <p14:creationId xmlns:p14="http://schemas.microsoft.com/office/powerpoint/2010/main" val="3336385736"/>
       </p:ext>
     </p:extLst>
   </p:cSld>
@@ -1240,9 +1242,9 @@
           <a:bodyPr/>
           <a:lstStyle/>
           <a:p>
-            <a:fld id="{EB98E204-B400-4860-8750-BEA1F85E2D3C}" type="datetimeFigureOut">
-              <a:rPr lang="en-US" smtClean="0"/>
-              <a:t>5/14/2018</a:t>
+            <a:fld id="{3A8E15C6-3DDC-44E1-9B93-D1F510B3BC39}" type="datetimeFigureOut">
+              <a:rPr lang="en-US" smtClean="0"/>
+              <a:t>5/20/2018</a:t>
             </a:fld>
             <a:endParaRPr lang="en-US"/>
           </a:p>
@@ -1282,7 +1284,7 @@
           <a:bodyPr/>
           <a:lstStyle/>
           <a:p>
-            <a:fld id="{0A0D2299-9F12-4AD4-B568-DF0FB44C6E52}" type="slidenum">
+            <a:fld id="{5E6F6807-3D62-4663-8220-52A2C0913852}" type="slidenum">
               <a:rPr lang="en-US" smtClean="0"/>
               <a:t>‹#›</a:t>
             </a:fld>
@@ -1293,7 +1295,7 @@
     </p:spTree>
     <p:extLst>
       <p:ext uri="{BB962C8B-B14F-4D97-AF65-F5344CB8AC3E}">
-        <p14:creationId xmlns:p14="http://schemas.microsoft.com/office/powerpoint/2010/main" val="2448822141"/>
+        <p14:creationId xmlns:p14="http://schemas.microsoft.com/office/powerpoint/2010/main" val="2933455240"/>
       </p:ext>
     </p:extLst>
   </p:cSld>
@@ -1607,9 +1609,9 @@
           <a:bodyPr/>
           <a:lstStyle/>
           <a:p>
-            <a:fld id="{EB98E204-B400-4860-8750-BEA1F85E2D3C}" type="datetimeFigureOut">
-              <a:rPr lang="en-US" smtClean="0"/>
-              <a:t>5/14/2018</a:t>
+            <a:fld id="{3A8E15C6-3DDC-44E1-9B93-D1F510B3BC39}" type="datetimeFigureOut">
+              <a:rPr lang="en-US" smtClean="0"/>
+              <a:t>5/20/2018</a:t>
             </a:fld>
             <a:endParaRPr lang="en-US"/>
           </a:p>
@@ -1649,7 +1651,7 @@
           <a:bodyPr/>
           <a:lstStyle/>
           <a:p>
-            <a:fld id="{0A0D2299-9F12-4AD4-B568-DF0FB44C6E52}" type="slidenum">
+            <a:fld id="{5E6F6807-3D62-4663-8220-52A2C0913852}" type="slidenum">
               <a:rPr lang="en-US" smtClean="0"/>
               <a:t>‹#›</a:t>
             </a:fld>
@@ -1660,7 +1662,7 @@
     </p:spTree>
     <p:extLst>
       <p:ext uri="{BB962C8B-B14F-4D97-AF65-F5344CB8AC3E}">
-        <p14:creationId xmlns:p14="http://schemas.microsoft.com/office/powerpoint/2010/main" val="551649068"/>
+        <p14:creationId xmlns:p14="http://schemas.microsoft.com/office/powerpoint/2010/main" val="4133193521"/>
       </p:ext>
     </p:extLst>
   </p:cSld>
@@ -1725,9 +1727,9 @@
           <a:bodyPr/>
           <a:lstStyle/>
           <a:p>
-            <a:fld id="{EB98E204-B400-4860-8750-BEA1F85E2D3C}" type="datetimeFigureOut">
-              <a:rPr lang="en-US" smtClean="0"/>
-              <a:t>5/14/2018</a:t>
+            <a:fld id="{3A8E15C6-3DDC-44E1-9B93-D1F510B3BC39}" type="datetimeFigureOut">
+              <a:rPr lang="en-US" smtClean="0"/>
+              <a:t>5/20/2018</a:t>
             </a:fld>
             <a:endParaRPr lang="en-US"/>
           </a:p>
@@ -1767,7 +1769,7 @@
           <a:bodyPr/>
           <a:lstStyle/>
           <a:p>
-            <a:fld id="{0A0D2299-9F12-4AD4-B568-DF0FB44C6E52}" type="slidenum">
+            <a:fld id="{5E6F6807-3D62-4663-8220-52A2C0913852}" type="slidenum">
               <a:rPr lang="en-US" smtClean="0"/>
               <a:t>‹#›</a:t>
             </a:fld>
@@ -1778,7 +1780,7 @@
     </p:spTree>
     <p:extLst>
       <p:ext uri="{BB962C8B-B14F-4D97-AF65-F5344CB8AC3E}">
-        <p14:creationId xmlns:p14="http://schemas.microsoft.com/office/powerpoint/2010/main" val="2110426021"/>
+        <p14:creationId xmlns:p14="http://schemas.microsoft.com/office/powerpoint/2010/main" val="578708635"/>
       </p:ext>
     </p:extLst>
   </p:cSld>
@@ -1820,9 +1822,9 @@
           <a:bodyPr/>
           <a:lstStyle/>
           <a:p>
-            <a:fld id="{EB98E204-B400-4860-8750-BEA1F85E2D3C}" type="datetimeFigureOut">
-              <a:rPr lang="en-US" smtClean="0"/>
-              <a:t>5/14/2018</a:t>
+            <a:fld id="{3A8E15C6-3DDC-44E1-9B93-D1F510B3BC39}" type="datetimeFigureOut">
+              <a:rPr lang="en-US" smtClean="0"/>
+              <a:t>5/20/2018</a:t>
             </a:fld>
             <a:endParaRPr lang="en-US"/>
           </a:p>
@@ -1862,7 +1864,7 @@
           <a:bodyPr/>
           <a:lstStyle/>
           <a:p>
-            <a:fld id="{0A0D2299-9F12-4AD4-B568-DF0FB44C6E52}" type="slidenum">
+            <a:fld id="{5E6F6807-3D62-4663-8220-52A2C0913852}" type="slidenum">
               <a:rPr lang="en-US" smtClean="0"/>
               <a:t>‹#›</a:t>
             </a:fld>
@@ -1873,7 +1875,7 @@
     </p:spTree>
     <p:extLst>
       <p:ext uri="{BB962C8B-B14F-4D97-AF65-F5344CB8AC3E}">
-        <p14:creationId xmlns:p14="http://schemas.microsoft.com/office/powerpoint/2010/main" val="792365842"/>
+        <p14:creationId xmlns:p14="http://schemas.microsoft.com/office/powerpoint/2010/main" val="2922024612"/>
       </p:ext>
     </p:extLst>
   </p:cSld>
@@ -2097,9 +2099,9 @@
           <a:bodyPr/>
           <a:lstStyle/>
           <a:p>
-            <a:fld id="{EB98E204-B400-4860-8750-BEA1F85E2D3C}" type="datetimeFigureOut">
-              <a:rPr lang="en-US" smtClean="0"/>
-              <a:t>5/14/2018</a:t>
+            <a:fld id="{3A8E15C6-3DDC-44E1-9B93-D1F510B3BC39}" type="datetimeFigureOut">
+              <a:rPr lang="en-US" smtClean="0"/>
+              <a:t>5/20/2018</a:t>
             </a:fld>
             <a:endParaRPr lang="en-US"/>
           </a:p>
@@ -2139,7 +2141,7 @@
           <a:bodyPr/>
           <a:lstStyle/>
           <a:p>
-            <a:fld id="{0A0D2299-9F12-4AD4-B568-DF0FB44C6E52}" type="slidenum">
+            <a:fld id="{5E6F6807-3D62-4663-8220-52A2C0913852}" type="slidenum">
               <a:rPr lang="en-US" smtClean="0"/>
               <a:t>‹#›</a:t>
             </a:fld>
@@ -2150,7 +2152,7 @@
     </p:spTree>
     <p:extLst>
       <p:ext uri="{BB962C8B-B14F-4D97-AF65-F5344CB8AC3E}">
-        <p14:creationId xmlns:p14="http://schemas.microsoft.com/office/powerpoint/2010/main" val="1434549418"/>
+        <p14:creationId xmlns:p14="http://schemas.microsoft.com/office/powerpoint/2010/main" val="4205359869"/>
       </p:ext>
     </p:extLst>
   </p:cSld>
@@ -2350,9 +2352,9 @@
           <a:bodyPr/>
           <a:lstStyle/>
           <a:p>
-            <a:fld id="{EB98E204-B400-4860-8750-BEA1F85E2D3C}" type="datetimeFigureOut">
-              <a:rPr lang="en-US" smtClean="0"/>
-              <a:t>5/14/2018</a:t>
+            <a:fld id="{3A8E15C6-3DDC-44E1-9B93-D1F510B3BC39}" type="datetimeFigureOut">
+              <a:rPr lang="en-US" smtClean="0"/>
+              <a:t>5/20/2018</a:t>
             </a:fld>
             <a:endParaRPr lang="en-US"/>
           </a:p>
@@ -2392,7 +2394,7 @@
           <a:bodyPr/>
           <a:lstStyle/>
           <a:p>
-            <a:fld id="{0A0D2299-9F12-4AD4-B568-DF0FB44C6E52}" type="slidenum">
+            <a:fld id="{5E6F6807-3D62-4663-8220-52A2C0913852}" type="slidenum">
               <a:rPr lang="en-US" smtClean="0"/>
               <a:t>‹#›</a:t>
             </a:fld>
@@ -2403,7 +2405,7 @@
     </p:spTree>
     <p:extLst>
       <p:ext uri="{BB962C8B-B14F-4D97-AF65-F5344CB8AC3E}">
-        <p14:creationId xmlns:p14="http://schemas.microsoft.com/office/powerpoint/2010/main" val="2488536426"/>
+        <p14:creationId xmlns:p14="http://schemas.microsoft.com/office/powerpoint/2010/main" val="1147921918"/>
       </p:ext>
     </p:extLst>
   </p:cSld>
@@ -2563,9 +2565,9 @@
             </a:lvl1pPr>
           </a:lstStyle>
           <a:p>
-            <a:fld id="{EB98E204-B400-4860-8750-BEA1F85E2D3C}" type="datetimeFigureOut">
-              <a:rPr lang="en-US" smtClean="0"/>
-              <a:t>5/14/2018</a:t>
+            <a:fld id="{3A8E15C6-3DDC-44E1-9B93-D1F510B3BC39}" type="datetimeFigureOut">
+              <a:rPr lang="en-US" smtClean="0"/>
+              <a:t>5/20/2018</a:t>
             </a:fld>
             <a:endParaRPr lang="en-US"/>
           </a:p>
@@ -2641,7 +2643,7 @@
             </a:lvl1pPr>
           </a:lstStyle>
           <a:p>
-            <a:fld id="{0A0D2299-9F12-4AD4-B568-DF0FB44C6E52}" type="slidenum">
+            <a:fld id="{5E6F6807-3D62-4663-8220-52A2C0913852}" type="slidenum">
               <a:rPr lang="en-US" smtClean="0"/>
               <a:t>‹#›</a:t>
             </a:fld>
@@ -2652,7 +2654,7 @@
     </p:spTree>
     <p:extLst>
       <p:ext uri="{BB962C8B-B14F-4D97-AF65-F5344CB8AC3E}">
-        <p14:creationId xmlns:p14="http://schemas.microsoft.com/office/powerpoint/2010/main" val="3745861922"/>
+        <p14:creationId xmlns:p14="http://schemas.microsoft.com/office/powerpoint/2010/main" val="2046876113"/>
       </p:ext>
     </p:extLst>
   </p:cSld>
@@ -2970,60 +2972,24 @@
           <a:chExt cx="0" cy="0"/>
         </a:xfrm>
       </p:grpSpPr>
-      <p:sp>
-        <p:nvSpPr>
-          <p:cNvPr id="4" name="TextBox 3"/>
-          <p:cNvSpPr txBox="1"/>
-          <p:nvPr/>
-        </p:nvSpPr>
-        <p:spPr>
-          <a:xfrm>
-            <a:off x="422910" y="331470"/>
-            <a:ext cx="11224260" cy="369332"/>
-          </a:xfrm>
-          <a:prstGeom prst="rect">
-            <a:avLst/>
-          </a:prstGeom>
-          <a:noFill/>
-        </p:spPr>
-        <p:txBody>
-          <a:bodyPr wrap="square" rtlCol="0">
-            <a:spAutoFit/>
-          </a:bodyPr>
-          <a:lstStyle/>
-          <a:p>
-            <a:r>
-              <a:rPr lang="en-US" dirty="0" smtClean="0"/>
-              <a:t>Heading 1</a:t>
-            </a:r>
-            <a:endParaRPr lang="en-US" dirty="0"/>
-          </a:p>
-        </p:txBody>
-      </p:sp>
       <p:pic>
         <p:nvPicPr>
-          <p:cNvPr id="2" name="Picture 1"/>
+          <p:cNvPr id="4" name="Picture 3"/>
           <p:cNvPicPr>
             <a:picLocks noChangeAspect="1"/>
           </p:cNvPicPr>
           <p:nvPr/>
         </p:nvPicPr>
         <p:blipFill>
-          <a:blip r:embed="rId2">
-            <a:extLst>
-              <a:ext uri="{28A0092B-C50C-407E-A947-70E740481C1C}">
-                <a14:useLocalDpi xmlns:a14="http://schemas.microsoft.com/office/drawing/2010/main" val="0"/>
-              </a:ext>
-            </a:extLst>
-          </a:blip>
+          <a:blip r:embed="rId2"/>
           <a:stretch>
             <a:fillRect/>
           </a:stretch>
         </p:blipFill>
         <p:spPr>
           <a:xfrm>
-            <a:off x="324514" y="3495874"/>
-            <a:ext cx="11322656" cy="3180952"/>
+            <a:off x="6126480" y="1017270"/>
+            <a:ext cx="5527357" cy="3268980"/>
           </a:xfrm>
           <a:prstGeom prst="rect">
             <a:avLst/>
@@ -3032,18 +2998,105 @@
       </p:pic>
       <p:sp>
         <p:nvSpPr>
-          <p:cNvPr id="3" name="Rectangle 2"/>
-          <p:cNvSpPr/>
+          <p:cNvPr id="5" name="TextBox 4"/>
+          <p:cNvSpPr txBox="1"/>
           <p:nvPr/>
         </p:nvSpPr>
         <p:spPr>
           <a:xfrm>
-            <a:off x="324514" y="857250"/>
-            <a:ext cx="11494106" cy="2862322"/>
+            <a:off x="285750" y="777240"/>
+            <a:ext cx="6217920" cy="4247317"/>
           </a:xfrm>
           <a:prstGeom prst="rect">
             <a:avLst/>
           </a:prstGeom>
+          <a:noFill/>
+        </p:spPr>
+        <p:txBody>
+          <a:bodyPr wrap="square" rtlCol="0">
+            <a:spAutoFit/>
+          </a:bodyPr>
+          <a:lstStyle/>
+          <a:p>
+            <a:r>
+              <a:rPr lang="en-US" dirty="0" smtClean="0"/>
+              <a:t>Deep learning space is exploding with new frameworks and platforms very rapidly</a:t>
+            </a:r>
+          </a:p>
+          <a:p>
+            <a:endParaRPr lang="en-US" dirty="0"/>
+          </a:p>
+          <a:p>
+            <a:r>
+              <a:rPr lang="en-US" dirty="0"/>
+              <a:t>Frameworks </a:t>
+            </a:r>
+            <a:r>
+              <a:rPr lang="en-US" dirty="0" smtClean="0"/>
+              <a:t>are different </a:t>
+            </a:r>
+            <a:r>
+              <a:rPr lang="en-US" dirty="0"/>
+              <a:t>programming </a:t>
+            </a:r>
+            <a:r>
+              <a:rPr lang="en-US" dirty="0" smtClean="0"/>
+              <a:t>languages</a:t>
+            </a:r>
+            <a:r>
+              <a:rPr lang="en-US" dirty="0"/>
+              <a:t> </a:t>
+            </a:r>
+            <a:r>
+              <a:rPr lang="en-US" dirty="0" smtClean="0"/>
+              <a:t>and </a:t>
+            </a:r>
+            <a:r>
+              <a:rPr lang="en-US" dirty="0"/>
+              <a:t>has its own way of communicating with the </a:t>
+            </a:r>
+            <a:r>
+              <a:rPr lang="en-US" dirty="0" smtClean="0"/>
+              <a:t>systems and optimizing the usage of hardware</a:t>
+            </a:r>
+          </a:p>
+          <a:p>
+            <a:endParaRPr lang="en-US" dirty="0"/>
+          </a:p>
+          <a:p>
+            <a:r>
+              <a:rPr lang="en-US" dirty="0" smtClean="0"/>
+              <a:t>Popularity of the frameworks depends on Open Source license, GPU support, approach of coding and obviously backend optimization resulting in better and faster computational capacity</a:t>
+            </a:r>
+          </a:p>
+          <a:p>
+            <a:endParaRPr lang="en-US" dirty="0"/>
+          </a:p>
+          <a:p>
+            <a:r>
+              <a:rPr lang="en-US" dirty="0" smtClean="0"/>
+              <a:t>TensorFlow and Keras has been most used framework for implementing deep learning algorithms</a:t>
+            </a:r>
+          </a:p>
+          <a:p>
+            <a:endParaRPr lang="en-US" dirty="0"/>
+          </a:p>
+        </p:txBody>
+      </p:sp>
+      <p:sp>
+        <p:nvSpPr>
+          <p:cNvPr id="6" name="Rectangle 5"/>
+          <p:cNvSpPr/>
+          <p:nvPr/>
+        </p:nvSpPr>
+        <p:spPr>
+          <a:xfrm>
+            <a:off x="1751330" y="5024557"/>
+            <a:ext cx="9902507" cy="1477328"/>
+          </a:xfrm>
+          <a:prstGeom prst="rect">
+            <a:avLst/>
+          </a:prstGeom>
         </p:spPr>
         <p:txBody>
           <a:bodyPr wrap="square">
@@ -3052,244 +3105,120 @@
           <a:lstStyle/>
           <a:p>
             <a:r>
-              <a:rPr lang="en-US" dirty="0">
+              <a:rPr lang="en-US" dirty="0" smtClean="0"/>
+              <a:t>TensorFlow </a:t>
+            </a:r>
+            <a:r>
+              <a:rPr lang="en-US" dirty="0"/>
+              <a:t>is an open source software library for high performance numerical computation. </a:t>
+            </a:r>
+            <a:endParaRPr lang="en-US" dirty="0" smtClean="0"/>
+          </a:p>
+          <a:p>
+            <a:r>
+              <a:rPr lang="en-US" dirty="0" smtClean="0"/>
+              <a:t>Its </a:t>
+            </a:r>
+            <a:r>
+              <a:rPr lang="en-US" dirty="0"/>
+              <a:t>flexible architecture allows easy deployment of computation across a variety of platforms (CPUs, GPUs, </a:t>
+            </a:r>
+            <a:r>
+              <a:rPr lang="en-US" dirty="0" smtClean="0"/>
+              <a:t>TPUs)</a:t>
+            </a:r>
+          </a:p>
+          <a:p>
+            <a:r>
+              <a:rPr lang="en-US" dirty="0" smtClean="0"/>
+              <a:t>Originally </a:t>
+            </a:r>
+            <a:r>
+              <a:rPr lang="en-US" dirty="0"/>
+              <a:t>developed by researchers and engineers from the Google Brain team within Google’s AI organization, it comes with strong support </a:t>
+            </a:r>
+            <a:r>
+              <a:rPr lang="en-US" dirty="0" smtClean="0"/>
+              <a:t>for deep </a:t>
+            </a:r>
+            <a:r>
+              <a:rPr lang="en-US" dirty="0"/>
+              <a:t>learning and the flexible numerical </a:t>
+            </a:r>
+            <a:r>
+              <a:rPr lang="en-US" dirty="0" smtClean="0"/>
+              <a:t>computation</a:t>
+            </a:r>
+            <a:endParaRPr lang="en-US" dirty="0"/>
+          </a:p>
+        </p:txBody>
+      </p:sp>
+      <p:sp>
+        <p:nvSpPr>
+          <p:cNvPr id="7" name="AutoShape 2" descr="https://lh3.googleusercontent.com/Ns1ea98duQ9csaHN7EQjl6SbnLMxg_ou9bLhZA8KLqbeSv7gg7XXGX1rqtWXgnjiJjBQpiTZWyxIhtxjnWPKTM27-J9T0QI=s688"/>
+          <p:cNvSpPr>
+            <a:spLocks noChangeAspect="1" noChangeArrowheads="1"/>
+          </p:cNvSpPr>
+          <p:nvPr/>
+        </p:nvSpPr>
+        <p:spPr bwMode="auto">
+          <a:xfrm>
+            <a:off x="63500" y="-136525"/>
+            <a:ext cx="304800" cy="304800"/>
+          </a:xfrm>
+          <a:prstGeom prst="rect">
+            <a:avLst/>
+          </a:prstGeom>
+          <a:noFill/>
+          <a:extLst>
+            <a:ext uri="{909E8E84-426E-40DD-AFC4-6F175D3DCCD1}">
+              <a14:hiddenFill xmlns:a14="http://schemas.microsoft.com/office/drawing/2010/main">
                 <a:solidFill>
-                  <a:srgbClr val="262626"/>
+                  <a:srgbClr val="FFFFFF"/>
                 </a:solidFill>
-                <a:latin typeface=""/>
-              </a:rPr>
-              <a:t>There are a few things to note here:</a:t>
-            </a:r>
-          </a:p>
-          <a:p>
-            <a:r>
-              <a:rPr lang="en-US" sz="1400" dirty="0">
-                <a:solidFill>
-                  <a:srgbClr val="CDA759"/>
-                </a:solidFill>
-                <a:latin typeface="¿MÀ·˛"/>
-              </a:rPr>
-              <a:t> </a:t>
-            </a:r>
-            <a:r>
-              <a:rPr lang="en-US" dirty="0">
-                <a:solidFill>
-                  <a:srgbClr val="262626"/>
-                </a:solidFill>
-                <a:latin typeface=""/>
-              </a:rPr>
-              <a:t>The first layer acts as a collection of various edge detectors. At that stage, </a:t>
-            </a:r>
-            <a:r>
-              <a:rPr lang="en-US" dirty="0" smtClean="0">
-                <a:solidFill>
-                  <a:srgbClr val="262626"/>
-                </a:solidFill>
-                <a:latin typeface=""/>
-              </a:rPr>
-              <a:t>the activations </a:t>
-            </a:r>
-            <a:r>
-              <a:rPr lang="en-US" dirty="0">
-                <a:solidFill>
-                  <a:srgbClr val="262626"/>
-                </a:solidFill>
-                <a:latin typeface=""/>
-              </a:rPr>
-              <a:t>retain almost all of the information present in the initial picture.</a:t>
-            </a:r>
-          </a:p>
-          <a:p>
-            <a:r>
-              <a:rPr lang="en-US" sz="1400" dirty="0">
-                <a:solidFill>
-                  <a:srgbClr val="CDA759"/>
-                </a:solidFill>
-                <a:latin typeface="¿MÀ·˛"/>
-              </a:rPr>
-              <a:t> </a:t>
-            </a:r>
-            <a:r>
-              <a:rPr lang="en-US" dirty="0">
-                <a:solidFill>
-                  <a:srgbClr val="262626"/>
-                </a:solidFill>
-                <a:latin typeface=""/>
-              </a:rPr>
-              <a:t>As you go higher, the activations become increasingly abstract and less </a:t>
-            </a:r>
-            <a:r>
-              <a:rPr lang="en-US" dirty="0" smtClean="0">
-                <a:solidFill>
-                  <a:srgbClr val="262626"/>
-                </a:solidFill>
-                <a:latin typeface=""/>
-              </a:rPr>
-              <a:t>visually interpretable</a:t>
-            </a:r>
-            <a:r>
-              <a:rPr lang="en-US" dirty="0">
-                <a:solidFill>
-                  <a:srgbClr val="262626"/>
-                </a:solidFill>
-                <a:latin typeface=""/>
-              </a:rPr>
-              <a:t>. They begin to encode higher-level concepts such as “cat ear” </a:t>
-            </a:r>
-            <a:r>
-              <a:rPr lang="en-US" dirty="0" smtClean="0">
-                <a:solidFill>
-                  <a:srgbClr val="262626"/>
-                </a:solidFill>
-                <a:latin typeface=""/>
-              </a:rPr>
-              <a:t>and “cat </a:t>
-            </a:r>
-            <a:r>
-              <a:rPr lang="en-US" dirty="0">
-                <a:solidFill>
-                  <a:srgbClr val="262626"/>
-                </a:solidFill>
-                <a:latin typeface=""/>
-              </a:rPr>
-              <a:t>eye.” Higher presentations carry increasingly less information about </a:t>
-            </a:r>
-            <a:r>
-              <a:rPr lang="en-US" dirty="0" smtClean="0">
-                <a:solidFill>
-                  <a:srgbClr val="262626"/>
-                </a:solidFill>
-                <a:latin typeface=""/>
-              </a:rPr>
-              <a:t>the visual </a:t>
-            </a:r>
-            <a:r>
-              <a:rPr lang="en-US" dirty="0">
-                <a:solidFill>
-                  <a:srgbClr val="262626"/>
-                </a:solidFill>
-                <a:latin typeface=""/>
-              </a:rPr>
-              <a:t>contents of the image, and increasingly more information related to </a:t>
-            </a:r>
-            <a:r>
-              <a:rPr lang="en-US" dirty="0" smtClean="0">
-                <a:solidFill>
-                  <a:srgbClr val="262626"/>
-                </a:solidFill>
-                <a:latin typeface=""/>
-              </a:rPr>
-              <a:t>the class </a:t>
-            </a:r>
-            <a:r>
-              <a:rPr lang="en-US" dirty="0">
-                <a:solidFill>
-                  <a:srgbClr val="262626"/>
-                </a:solidFill>
-                <a:latin typeface=""/>
-              </a:rPr>
-              <a:t>of the image.</a:t>
-            </a:r>
-          </a:p>
-          <a:p>
-            <a:r>
-              <a:rPr lang="en-US" sz="1400" dirty="0">
-                <a:solidFill>
-                  <a:srgbClr val="CDA759"/>
-                </a:solidFill>
-                <a:latin typeface="¿MÀ·˛"/>
-              </a:rPr>
-              <a:t> </a:t>
-            </a:r>
-            <a:r>
-              <a:rPr lang="en-US" dirty="0">
-                <a:solidFill>
-                  <a:srgbClr val="262626"/>
-                </a:solidFill>
-                <a:latin typeface=""/>
-              </a:rPr>
-              <a:t>The </a:t>
-            </a:r>
-            <a:r>
-              <a:rPr lang="en-US" dirty="0" err="1">
-                <a:solidFill>
-                  <a:srgbClr val="262626"/>
-                </a:solidFill>
-                <a:latin typeface=""/>
-              </a:rPr>
-              <a:t>sparsity</a:t>
-            </a:r>
-            <a:r>
-              <a:rPr lang="en-US" dirty="0">
-                <a:solidFill>
-                  <a:srgbClr val="262626"/>
-                </a:solidFill>
-                <a:latin typeface=""/>
-              </a:rPr>
-              <a:t> of the activations increases with the depth of the layer: in the </a:t>
-            </a:r>
-            <a:r>
-              <a:rPr lang="en-US" dirty="0" smtClean="0">
-                <a:solidFill>
-                  <a:srgbClr val="262626"/>
-                </a:solidFill>
-                <a:latin typeface=""/>
-              </a:rPr>
-              <a:t>first layer</a:t>
-            </a:r>
-            <a:r>
-              <a:rPr lang="en-US" dirty="0">
-                <a:solidFill>
-                  <a:srgbClr val="262626"/>
-                </a:solidFill>
-                <a:latin typeface=""/>
-              </a:rPr>
-              <a:t>, all filters are activated by the input image; but in the following </a:t>
-            </a:r>
-            <a:r>
-              <a:rPr lang="en-US" dirty="0" smtClean="0">
-                <a:solidFill>
-                  <a:srgbClr val="262626"/>
-                </a:solidFill>
-                <a:latin typeface=""/>
-              </a:rPr>
-              <a:t>layers, more </a:t>
-            </a:r>
-            <a:r>
-              <a:rPr lang="en-US" dirty="0">
-                <a:solidFill>
-                  <a:srgbClr val="262626"/>
-                </a:solidFill>
-                <a:latin typeface=""/>
-              </a:rPr>
-              <a:t>and more filters are blank. This means the pattern encoded by the </a:t>
-            </a:r>
-            <a:r>
-              <a:rPr lang="en-US" dirty="0" smtClean="0">
-                <a:solidFill>
-                  <a:srgbClr val="262626"/>
-                </a:solidFill>
-                <a:latin typeface=""/>
-              </a:rPr>
-              <a:t>filter isn’t </a:t>
-            </a:r>
-            <a:r>
-              <a:rPr lang="en-US" dirty="0">
-                <a:solidFill>
-                  <a:srgbClr val="262626"/>
-                </a:solidFill>
-                <a:latin typeface=""/>
-              </a:rPr>
-              <a:t>found in the input image.</a:t>
-            </a:r>
-            <a:endParaRPr lang="en-US" dirty="0"/>
-          </a:p>
-        </p:txBody>
-      </p:sp>
+              </a14:hiddenFill>
+            </a:ext>
+          </a:extLst>
+        </p:spPr>
+        <p:txBody>
+          <a:bodyPr vert="horz" wrap="square" lIns="91440" tIns="45720" rIns="91440" bIns="45720" numCol="1" anchor="t" anchorCtr="0" compatLnSpc="1">
+            <a:prstTxWarp prst="textNoShape">
+              <a:avLst/>
+            </a:prstTxWarp>
+          </a:bodyPr>
+          <a:lstStyle/>
+          <a:p>
+            <a:endParaRPr lang="en-US"/>
+          </a:p>
+        </p:txBody>
+      </p:sp>
+      <p:pic>
+        <p:nvPicPr>
+          <p:cNvPr id="8" name="Picture 7"/>
+          <p:cNvPicPr>
+            <a:picLocks noChangeAspect="1"/>
+          </p:cNvPicPr>
+          <p:nvPr/>
+        </p:nvPicPr>
+        <p:blipFill rotWithShape="1">
+          <a:blip r:embed="rId3"/>
+          <a:srcRect l="40000" t="30990" r="38895" b="30251"/>
+          <a:stretch/>
+        </p:blipFill>
+        <p:spPr>
+          <a:xfrm>
+            <a:off x="368300" y="5073135"/>
+            <a:ext cx="1383030" cy="1428750"/>
+          </a:xfrm>
+          <a:prstGeom prst="rect">
+            <a:avLst/>
+          </a:prstGeom>
+        </p:spPr>
+      </p:pic>
     </p:spTree>
     <p:extLst>
       <p:ext uri="{BB962C8B-B14F-4D97-AF65-F5344CB8AC3E}">
-        <p14:creationId xmlns:p14="http://schemas.microsoft.com/office/powerpoint/2010/main" val="2571757756"/>
+        <p14:creationId xmlns:p14="http://schemas.microsoft.com/office/powerpoint/2010/main" val="3832952304"/>
       </p:ext>
     </p:extLst>
   </p:cSld>
@@ -3318,31 +3247,445 @@
       </p:grpSpPr>
       <p:sp>
         <p:nvSpPr>
-          <p:cNvPr id="4" name="TextBox 3"/>
-          <p:cNvSpPr txBox="1"/>
+          <p:cNvPr id="7" name="AutoShape 2" descr="https://lh3.googleusercontent.com/Ns1ea98duQ9csaHN7EQjl6SbnLMxg_ou9bLhZA8KLqbeSv7gg7XXGX1rqtWXgnjiJjBQpiTZWyxIhtxjnWPKTM27-J9T0QI=s688"/>
+          <p:cNvSpPr>
+            <a:spLocks noChangeAspect="1" noChangeArrowheads="1"/>
+          </p:cNvSpPr>
           <p:nvPr/>
         </p:nvSpPr>
-        <p:spPr>
-          <a:xfrm>
-            <a:off x="422910" y="331470"/>
-            <a:ext cx="11224260" cy="369332"/>
+        <p:spPr bwMode="auto">
+          <a:xfrm>
+            <a:off x="63500" y="-136525"/>
+            <a:ext cx="304800" cy="304800"/>
           </a:xfrm>
           <a:prstGeom prst="rect">
             <a:avLst/>
           </a:prstGeom>
           <a:noFill/>
-        </p:spPr>
-        <p:txBody>
-          <a:bodyPr wrap="square" rtlCol="0">
+          <a:extLst>
+            <a:ext uri="{909E8E84-426E-40DD-AFC4-6F175D3DCCD1}">
+              <a14:hiddenFill xmlns:a14="http://schemas.microsoft.com/office/drawing/2010/main">
+                <a:solidFill>
+                  <a:srgbClr val="FFFFFF"/>
+                </a:solidFill>
+              </a14:hiddenFill>
+            </a:ext>
+          </a:extLst>
+        </p:spPr>
+        <p:txBody>
+          <a:bodyPr vert="horz" wrap="square" lIns="91440" tIns="45720" rIns="91440" bIns="45720" numCol="1" anchor="t" anchorCtr="0" compatLnSpc="1">
+            <a:prstTxWarp prst="textNoShape">
+              <a:avLst/>
+            </a:prstTxWarp>
+          </a:bodyPr>
+          <a:lstStyle/>
+          <a:p>
+            <a:endParaRPr lang="en-US"/>
+          </a:p>
+        </p:txBody>
+      </p:sp>
+      <p:pic>
+        <p:nvPicPr>
+          <p:cNvPr id="3" name="Picture 2"/>
+          <p:cNvPicPr>
+            <a:picLocks noChangeAspect="1"/>
+          </p:cNvPicPr>
+          <p:nvPr/>
+        </p:nvPicPr>
+        <p:blipFill rotWithShape="1">
+          <a:blip r:embed="rId2"/>
+          <a:srcRect l="80561" b="70137"/>
+          <a:stretch/>
+        </p:blipFill>
+        <p:spPr>
+          <a:xfrm>
+            <a:off x="215900" y="168275"/>
+            <a:ext cx="1701622" cy="1518939"/>
+          </a:xfrm>
+          <a:prstGeom prst="rect">
+            <a:avLst/>
+          </a:prstGeom>
+        </p:spPr>
+      </p:pic>
+      <p:sp>
+        <p:nvSpPr>
+          <p:cNvPr id="8" name="Rectangle 7"/>
+          <p:cNvSpPr/>
+          <p:nvPr/>
+        </p:nvSpPr>
+        <p:spPr>
+          <a:xfrm>
+            <a:off x="1917522" y="209886"/>
+            <a:ext cx="9902507" cy="1477328"/>
+          </a:xfrm>
+          <a:prstGeom prst="rect">
+            <a:avLst/>
+          </a:prstGeom>
+        </p:spPr>
+        <p:txBody>
+          <a:bodyPr wrap="square">
             <a:spAutoFit/>
           </a:bodyPr>
           <a:lstStyle/>
           <a:p>
             <a:r>
-              <a:rPr lang="en-US" smtClean="0"/>
-              <a:t>Heading 2</a:t>
+              <a:rPr lang="en-US" dirty="0"/>
+              <a:t>Keras is a high-level neural networks API, written in Python and capable of running on top of TensorFlow, CNTK, or </a:t>
+            </a:r>
+            <a:r>
+              <a:rPr lang="en-US" dirty="0" smtClean="0"/>
+              <a:t>Theano</a:t>
+            </a:r>
+          </a:p>
+          <a:p>
+            <a:r>
+              <a:rPr lang="en-US" dirty="0" smtClean="0"/>
+              <a:t>Keras allows easy and fast prototyping through User friendliness, Modularity and </a:t>
+            </a:r>
+            <a:r>
+              <a:rPr lang="en-US" dirty="0"/>
+              <a:t>Easy </a:t>
+            </a:r>
+            <a:r>
+              <a:rPr lang="en-US" dirty="0" smtClean="0"/>
+              <a:t>extensibility and Runs seamlessly on CPU and GPU.</a:t>
             </a:r>
             <a:endParaRPr lang="en-US" dirty="0"/>
+          </a:p>
+          <a:p>
+            <a:endParaRPr lang="en-US" dirty="0"/>
+          </a:p>
+        </p:txBody>
+      </p:sp>
+      <p:pic>
+        <p:nvPicPr>
+          <p:cNvPr id="9" name="Picture 8"/>
+          <p:cNvPicPr>
+            <a:picLocks noChangeAspect="1"/>
+          </p:cNvPicPr>
+          <p:nvPr/>
+        </p:nvPicPr>
+        <p:blipFill rotWithShape="1">
+          <a:blip r:embed="rId2"/>
+          <a:srcRect l="70718" t="38539" r="1861" b="46180"/>
+          <a:stretch/>
+        </p:blipFill>
+        <p:spPr>
+          <a:xfrm>
+            <a:off x="215900" y="2050216"/>
+            <a:ext cx="1701622" cy="1085850"/>
+          </a:xfrm>
+          <a:prstGeom prst="rect">
+            <a:avLst/>
+          </a:prstGeom>
+        </p:spPr>
+      </p:pic>
+      <p:sp>
+        <p:nvSpPr>
+          <p:cNvPr id="10" name="Rectangle 9"/>
+          <p:cNvSpPr/>
+          <p:nvPr/>
+        </p:nvSpPr>
+        <p:spPr>
+          <a:xfrm>
+            <a:off x="1917522" y="1873091"/>
+            <a:ext cx="9902507" cy="1477328"/>
+          </a:xfrm>
+          <a:prstGeom prst="rect">
+            <a:avLst/>
+          </a:prstGeom>
+        </p:spPr>
+        <p:txBody>
+          <a:bodyPr wrap="square">
+            <a:spAutoFit/>
+          </a:bodyPr>
+          <a:lstStyle/>
+          <a:p>
+            <a:r>
+              <a:rPr lang="en-US" dirty="0"/>
+              <a:t>Theano is a numerical computation </a:t>
+            </a:r>
+            <a:r>
+              <a:rPr lang="en-US" dirty="0" smtClean="0"/>
+              <a:t>library</a:t>
+            </a:r>
+            <a:r>
+              <a:rPr lang="en-US" dirty="0"/>
+              <a:t> for </a:t>
+            </a:r>
+            <a:r>
+              <a:rPr lang="en-US" dirty="0" smtClean="0"/>
+              <a:t>Python.</a:t>
+            </a:r>
+            <a:r>
+              <a:rPr lang="en-US" dirty="0"/>
+              <a:t> </a:t>
+            </a:r>
+            <a:endParaRPr lang="en-US" dirty="0" smtClean="0"/>
+          </a:p>
+          <a:p>
+            <a:r>
+              <a:rPr lang="en-US" dirty="0" smtClean="0"/>
+              <a:t>In </a:t>
+            </a:r>
+            <a:r>
+              <a:rPr lang="en-US" dirty="0"/>
+              <a:t>Theano, computations are expressed using a </a:t>
+            </a:r>
+            <a:r>
+              <a:rPr lang="en-US" dirty="0" smtClean="0"/>
+              <a:t>NumPy</a:t>
+            </a:r>
+            <a:r>
+              <a:rPr lang="en-US" dirty="0"/>
+              <a:t> </a:t>
+            </a:r>
+            <a:r>
+              <a:rPr lang="en-US" dirty="0" smtClean="0"/>
+              <a:t>like </a:t>
+            </a:r>
+            <a:r>
+              <a:rPr lang="en-US" dirty="0"/>
+              <a:t>syntax and </a:t>
+            </a:r>
+            <a:r>
+              <a:rPr lang="en-US" dirty="0" smtClean="0"/>
+              <a:t>compiled to </a:t>
+            </a:r>
+            <a:r>
+              <a:rPr lang="en-US" dirty="0"/>
+              <a:t>run efficiently on either CPU or </a:t>
+            </a:r>
+            <a:r>
+              <a:rPr lang="en-US" dirty="0" smtClean="0"/>
+              <a:t>GPU</a:t>
+            </a:r>
+            <a:r>
+              <a:rPr lang="en-US" dirty="0"/>
+              <a:t> </a:t>
+            </a:r>
+            <a:r>
+              <a:rPr lang="en-US" dirty="0" smtClean="0"/>
+              <a:t>architectures</a:t>
+            </a:r>
+            <a:r>
+              <a:rPr lang="en-US" dirty="0"/>
+              <a:t>.</a:t>
+            </a:r>
+          </a:p>
+          <a:p>
+            <a:r>
+              <a:rPr lang="en-US" dirty="0"/>
+              <a:t>Theano is an open source project primarily developed by a machine learning group at the Université de </a:t>
+            </a:r>
+            <a:r>
+              <a:rPr lang="en-US" dirty="0" smtClean="0"/>
+              <a:t>Montréal</a:t>
+            </a:r>
+            <a:endParaRPr lang="en-US" dirty="0"/>
+          </a:p>
+        </p:txBody>
+      </p:sp>
+      <p:pic>
+        <p:nvPicPr>
+          <p:cNvPr id="11" name="Picture 10"/>
+          <p:cNvPicPr>
+            <a:picLocks noChangeAspect="1"/>
+          </p:cNvPicPr>
+          <p:nvPr/>
+        </p:nvPicPr>
+        <p:blipFill rotWithShape="1">
+          <a:blip r:embed="rId2"/>
+          <a:srcRect l="2165" t="70898" r="76028" b="6629"/>
+          <a:stretch/>
+        </p:blipFill>
+        <p:spPr>
+          <a:xfrm>
+            <a:off x="76834" y="3776326"/>
+            <a:ext cx="1908809" cy="1142999"/>
+          </a:xfrm>
+          <a:prstGeom prst="rect">
+            <a:avLst/>
+          </a:prstGeom>
+        </p:spPr>
+      </p:pic>
+      <p:sp>
+        <p:nvSpPr>
+          <p:cNvPr id="12" name="Rectangle 11"/>
+          <p:cNvSpPr/>
+          <p:nvPr/>
+        </p:nvSpPr>
+        <p:spPr>
+          <a:xfrm>
+            <a:off x="1917522" y="3718996"/>
+            <a:ext cx="9902507" cy="1200329"/>
+          </a:xfrm>
+          <a:prstGeom prst="rect">
+            <a:avLst/>
+          </a:prstGeom>
+        </p:spPr>
+        <p:txBody>
+          <a:bodyPr wrap="square">
+            <a:spAutoFit/>
+          </a:bodyPr>
+          <a:lstStyle/>
+          <a:p>
+            <a:r>
+              <a:rPr lang="en-US" dirty="0" smtClean="0"/>
+              <a:t>The Microsoft Cognitive Toolkit - previously known as CNTK, is a free, easy-to-use, open-source, commercial-grade toolkit that trains deep learning algorithms to learn like the human brain</a:t>
+            </a:r>
+          </a:p>
+          <a:p>
+            <a:r>
+              <a:rPr lang="en-US" dirty="0" smtClean="0"/>
+              <a:t>It provides uncompromised scaling, speed, and accuracy with commercial-grade quality and compatibility with the programming languages and algorithms users already use. </a:t>
+            </a:r>
+            <a:endParaRPr lang="en-US" dirty="0"/>
+          </a:p>
+        </p:txBody>
+      </p:sp>
+      <p:pic>
+        <p:nvPicPr>
+          <p:cNvPr id="13" name="Picture 12"/>
+          <p:cNvPicPr>
+            <a:picLocks noChangeAspect="1"/>
+          </p:cNvPicPr>
+          <p:nvPr/>
+        </p:nvPicPr>
+        <p:blipFill rotWithShape="1">
+          <a:blip r:embed="rId2"/>
+          <a:srcRect l="43558" t="58764" r="35941" b="5955"/>
+          <a:stretch/>
+        </p:blipFill>
+        <p:spPr>
+          <a:xfrm>
+            <a:off x="55880" y="4999335"/>
+            <a:ext cx="1794510" cy="1794510"/>
+          </a:xfrm>
+          <a:prstGeom prst="rect">
+            <a:avLst/>
+          </a:prstGeom>
+        </p:spPr>
+      </p:pic>
+      <p:sp>
+        <p:nvSpPr>
+          <p:cNvPr id="14" name="Rectangle 13"/>
+          <p:cNvSpPr/>
+          <p:nvPr/>
+        </p:nvSpPr>
+        <p:spPr>
+          <a:xfrm>
+            <a:off x="1874520" y="5585262"/>
+            <a:ext cx="10367010" cy="1200329"/>
+          </a:xfrm>
+          <a:prstGeom prst="rect">
+            <a:avLst/>
+          </a:prstGeom>
+        </p:spPr>
+        <p:txBody>
+          <a:bodyPr wrap="square">
+            <a:spAutoFit/>
+          </a:bodyPr>
+          <a:lstStyle/>
+          <a:p>
+            <a:r>
+              <a:rPr lang="en-US" dirty="0" smtClean="0"/>
+              <a:t>Caffe is a deep learning framework developed with cleanliness, readability, modularity and speed</a:t>
+            </a:r>
+          </a:p>
+          <a:p>
+            <a:r>
+              <a:rPr lang="en-US" dirty="0" smtClean="0"/>
+              <a:t>Written in C++, The Networks are specified in simple config files, with no hard-coded parameters in the code</a:t>
+            </a:r>
+          </a:p>
+          <a:p>
+            <a:r>
+              <a:rPr lang="en-US" dirty="0" smtClean="0"/>
+              <a:t>Switching between CPU and GPU in Caffe is as simple as setting a flag</a:t>
+            </a:r>
+          </a:p>
+          <a:p>
+            <a:r>
+              <a:rPr lang="en-US" dirty="0" smtClean="0"/>
+              <a:t>It is developed by Berkeley AI Research (BAIR) and by community contributors</a:t>
+            </a:r>
+            <a:endParaRPr lang="en-US" dirty="0"/>
+          </a:p>
+        </p:txBody>
+      </p:sp>
+    </p:spTree>
+    <p:extLst>
+      <p:ext uri="{BB962C8B-B14F-4D97-AF65-F5344CB8AC3E}">
+        <p14:creationId xmlns:p14="http://schemas.microsoft.com/office/powerpoint/2010/main" val="2749018287"/>
+      </p:ext>
+    </p:extLst>
+  </p:cSld>
+  <p:clrMapOvr>
+    <a:masterClrMapping/>
+  </p:clrMapOvr>
+</p:sld>
+</file>
+
+<file path=ppt/slides/slide3.xml><?xml version="1.0" encoding="utf-8"?>
+<p:sld xmlns:a="http://schemas.openxmlformats.org/drawingml/2006/main" xmlns:r="http://schemas.openxmlformats.org/officeDocument/2006/relationships" xmlns:p="http://schemas.openxmlformats.org/presentationml/2006/main">
+  <p:cSld>
+    <p:bg>
+      <p:bgPr>
+        <a:noFill/>
+        <a:effectLst/>
+      </p:bgPr>
+    </p:bg>
+    <p:spTree>
+      <p:nvGrpSpPr>
+        <p:cNvPr id="1" name=""/>
+        <p:cNvGrpSpPr/>
+        <p:nvPr/>
+      </p:nvGrpSpPr>
+      <p:grpSpPr>
+        <a:xfrm>
+          <a:off x="0" y="0"/>
+          <a:ext cx="0" cy="0"/>
+          <a:chOff x="0" y="0"/>
+          <a:chExt cx="0" cy="0"/>
+        </a:xfrm>
+      </p:grpSpPr>
+      <p:sp>
+        <p:nvSpPr>
+          <p:cNvPr id="7" name="AutoShape 2" descr="https://lh3.googleusercontent.com/Ns1ea98duQ9csaHN7EQjl6SbnLMxg_ou9bLhZA8KLqbeSv7gg7XXGX1rqtWXgnjiJjBQpiTZWyxIhtxjnWPKTM27-J9T0QI=s688"/>
+          <p:cNvSpPr>
+            <a:spLocks noChangeAspect="1" noChangeArrowheads="1"/>
+          </p:cNvSpPr>
+          <p:nvPr/>
+        </p:nvSpPr>
+        <p:spPr bwMode="auto">
+          <a:xfrm>
+            <a:off x="63500" y="-136525"/>
+            <a:ext cx="304800" cy="304800"/>
+          </a:xfrm>
+          <a:prstGeom prst="rect">
+            <a:avLst/>
+          </a:prstGeom>
+          <a:noFill/>
+          <a:extLst>
+            <a:ext uri="{909E8E84-426E-40DD-AFC4-6F175D3DCCD1}">
+              <a14:hiddenFill xmlns:a14="http://schemas.microsoft.com/office/drawing/2010/main">
+                <a:solidFill>
+                  <a:srgbClr val="FFFFFF"/>
+                </a:solidFill>
+              </a14:hiddenFill>
+            </a:ext>
+          </a:extLst>
+        </p:spPr>
+        <p:txBody>
+          <a:bodyPr vert="horz" wrap="square" lIns="91440" tIns="45720" rIns="91440" bIns="45720" numCol="1" anchor="t" anchorCtr="0" compatLnSpc="1">
+            <a:prstTxWarp prst="textNoShape">
+              <a:avLst/>
+            </a:prstTxWarp>
+          </a:bodyPr>
+          <a:lstStyle/>
+          <a:p>
+            <a:endParaRPr lang="en-US"/>
           </a:p>
         </p:txBody>
       </p:sp>
@@ -3354,8 +3697,203 @@
           </p:cNvPicPr>
           <p:nvPr/>
         </p:nvPicPr>
+        <p:blipFill rotWithShape="1">
+          <a:blip r:embed="rId2"/>
+          <a:srcRect l="26061" t="59887" r="55006" b="5506"/>
+          <a:stretch/>
+        </p:blipFill>
+        <p:spPr>
+          <a:xfrm>
+            <a:off x="215900" y="168275"/>
+            <a:ext cx="1365885" cy="1295896"/>
+          </a:xfrm>
+          <a:prstGeom prst="rect">
+            <a:avLst/>
+          </a:prstGeom>
+        </p:spPr>
+      </p:pic>
+      <p:sp>
+        <p:nvSpPr>
+          <p:cNvPr id="18" name="Rectangle 17"/>
+          <p:cNvSpPr/>
+          <p:nvPr/>
+        </p:nvSpPr>
+        <p:spPr>
+          <a:xfrm>
+            <a:off x="1730374" y="187960"/>
+            <a:ext cx="10199370" cy="1200329"/>
+          </a:xfrm>
+          <a:prstGeom prst="rect">
+            <a:avLst/>
+          </a:prstGeom>
+        </p:spPr>
+        <p:txBody>
+          <a:bodyPr wrap="square">
+            <a:spAutoFit/>
+          </a:bodyPr>
+          <a:lstStyle/>
+          <a:p>
+            <a:r>
+              <a:rPr lang="en-US" dirty="0"/>
+              <a:t>PyTorch is an open source machine learning library for Python, based on Torch, used for applications such as natural language processing.</a:t>
+            </a:r>
+          </a:p>
+          <a:p>
+            <a:r>
+              <a:rPr lang="en-US" dirty="0"/>
+              <a:t>It is primarily developed by Facebook's artificial-intelligence research group, and Uber's "Pyro" software for probabilistic programming is built on it</a:t>
+            </a:r>
+          </a:p>
+        </p:txBody>
+      </p:sp>
+      <p:pic>
+        <p:nvPicPr>
+          <p:cNvPr id="19" name="Picture 18"/>
+          <p:cNvPicPr>
+            <a:picLocks noChangeAspect="1"/>
+          </p:cNvPicPr>
+          <p:nvPr/>
+        </p:nvPicPr>
+        <p:blipFill rotWithShape="1">
+          <a:blip r:embed="rId2"/>
+          <a:srcRect l="52699" t="3034" r="21316" b="75618"/>
+          <a:stretch/>
+        </p:blipFill>
+        <p:spPr>
+          <a:xfrm>
+            <a:off x="215900" y="1768971"/>
+            <a:ext cx="1365885" cy="1337311"/>
+          </a:xfrm>
+          <a:prstGeom prst="rect">
+            <a:avLst/>
+          </a:prstGeom>
+        </p:spPr>
+      </p:pic>
+      <p:sp>
+        <p:nvSpPr>
+          <p:cNvPr id="20" name="Rectangle 19"/>
+          <p:cNvSpPr/>
+          <p:nvPr/>
+        </p:nvSpPr>
+        <p:spPr>
+          <a:xfrm>
+            <a:off x="1730374" y="1768971"/>
+            <a:ext cx="10610216" cy="1477328"/>
+          </a:xfrm>
+          <a:prstGeom prst="rect">
+            <a:avLst/>
+          </a:prstGeom>
+        </p:spPr>
+        <p:txBody>
+          <a:bodyPr wrap="square">
+            <a:spAutoFit/>
+          </a:bodyPr>
+          <a:lstStyle/>
+          <a:p>
+            <a:r>
+              <a:rPr lang="en-US" dirty="0"/>
+              <a:t>Apache MXNet is a modern open-source deep learning framework used to </a:t>
+            </a:r>
+            <a:r>
+              <a:rPr lang="en-US" dirty="0" smtClean="0"/>
+              <a:t>train and </a:t>
+            </a:r>
+            <a:r>
+              <a:rPr lang="en-US" dirty="0"/>
+              <a:t>deploy deep neural </a:t>
+            </a:r>
+            <a:r>
+              <a:rPr lang="en-US" dirty="0" smtClean="0"/>
+              <a:t>networks</a:t>
+            </a:r>
+          </a:p>
+          <a:p>
+            <a:r>
+              <a:rPr lang="en-US" dirty="0" smtClean="0"/>
+              <a:t>It </a:t>
+            </a:r>
+            <a:r>
+              <a:rPr lang="en-US" dirty="0"/>
+              <a:t>is scalable, </a:t>
+            </a:r>
+            <a:r>
+              <a:rPr lang="en-US" dirty="0" smtClean="0"/>
+              <a:t>allows fast </a:t>
+            </a:r>
+            <a:r>
+              <a:rPr lang="en-US" dirty="0"/>
+              <a:t>model </a:t>
+            </a:r>
+            <a:r>
+              <a:rPr lang="en-US" dirty="0" smtClean="0"/>
+              <a:t>training </a:t>
+            </a:r>
+            <a:r>
+              <a:rPr lang="en-US" dirty="0"/>
+              <a:t>and supports a flexible programming model and multiple </a:t>
+            </a:r>
+            <a:r>
+              <a:rPr lang="en-US" dirty="0" smtClean="0"/>
+              <a:t>languages</a:t>
+            </a:r>
+          </a:p>
+          <a:p>
+            <a:r>
+              <a:rPr lang="en-US" dirty="0" smtClean="0"/>
+              <a:t>The </a:t>
+            </a:r>
+            <a:r>
+              <a:rPr lang="en-US" dirty="0"/>
+              <a:t>MXNet library is portable and can scale to multiple </a:t>
+            </a:r>
+            <a:r>
+              <a:rPr lang="en-US" dirty="0" smtClean="0"/>
+              <a:t>GPUs and </a:t>
+            </a:r>
+            <a:r>
+              <a:rPr lang="en-US" dirty="0"/>
+              <a:t>multiple </a:t>
+            </a:r>
+            <a:r>
+              <a:rPr lang="en-US" dirty="0" smtClean="0"/>
+              <a:t>machines.</a:t>
+            </a:r>
+          </a:p>
+          <a:p>
+            <a:r>
+              <a:rPr lang="en-US" dirty="0" smtClean="0"/>
+              <a:t>MXNet </a:t>
+            </a:r>
+            <a:r>
+              <a:rPr lang="en-US" dirty="0"/>
+              <a:t>is supported by major Public Cloud providers including </a:t>
+            </a:r>
+            <a:r>
+              <a:rPr lang="en-US" dirty="0" smtClean="0"/>
+              <a:t>AWS</a:t>
+            </a:r>
+            <a:r>
+              <a:rPr lang="en-US" dirty="0"/>
+              <a:t> and </a:t>
+            </a:r>
+            <a:r>
+              <a:rPr lang="en-US" dirty="0" smtClean="0"/>
+              <a:t>Azure</a:t>
+            </a:r>
+            <a:endParaRPr lang="en-US" dirty="0"/>
+          </a:p>
+        </p:txBody>
+      </p:sp>
+      <p:pic>
+        <p:nvPicPr>
+          <p:cNvPr id="21" name="Picture 20"/>
+          <p:cNvPicPr>
+            <a:picLocks noChangeAspect="1"/>
+          </p:cNvPicPr>
+          <p:nvPr/>
+        </p:nvPicPr>
         <p:blipFill>
-          <a:blip r:embed="rId2">
+          <a:blip r:embed="rId3">
             <a:extLst>
               <a:ext uri="{28A0092B-C50C-407E-A947-70E740481C1C}">
                 <a14:useLocalDpi xmlns:a14="http://schemas.microsoft.com/office/drawing/2010/main" val="0"/>
@@ -3368,18 +3906,321 @@
         </p:blipFill>
         <p:spPr>
           <a:xfrm>
-            <a:off x="1257300" y="1177290"/>
-            <a:ext cx="9738360" cy="5303520"/>
+            <a:off x="67310" y="3623310"/>
+            <a:ext cx="1514475" cy="1040130"/>
           </a:xfrm>
           <a:prstGeom prst="rect">
             <a:avLst/>
           </a:prstGeom>
         </p:spPr>
       </p:pic>
+      <p:sp>
+        <p:nvSpPr>
+          <p:cNvPr id="22" name="Rectangle 21"/>
+          <p:cNvSpPr/>
+          <p:nvPr/>
+        </p:nvSpPr>
+        <p:spPr>
+          <a:xfrm>
+            <a:off x="1730374" y="3404711"/>
+            <a:ext cx="10199370" cy="1754326"/>
+          </a:xfrm>
+          <a:prstGeom prst="rect">
+            <a:avLst/>
+          </a:prstGeom>
+        </p:spPr>
+        <p:txBody>
+          <a:bodyPr wrap="square">
+            <a:spAutoFit/>
+          </a:bodyPr>
+          <a:lstStyle/>
+          <a:p>
+            <a:r>
+              <a:rPr lang="en-US" dirty="0"/>
+              <a:t>H2O’s Deep Learning is based on a multi-layer feed-forward artificial neural network that is trained with stochastic gradient descent using </a:t>
+            </a:r>
+            <a:r>
+              <a:rPr lang="en-US" dirty="0" smtClean="0"/>
+              <a:t>back-propagation.</a:t>
+            </a:r>
+          </a:p>
+          <a:p>
+            <a:r>
+              <a:rPr lang="en-US" dirty="0" smtClean="0"/>
+              <a:t>The </a:t>
+            </a:r>
+            <a:r>
+              <a:rPr lang="en-US" dirty="0"/>
+              <a:t>network can contain a large number of hidden layers consisting of neurons with tanh, rectifier and maxout activation functions. </a:t>
+            </a:r>
+            <a:endParaRPr lang="en-US" dirty="0" smtClean="0"/>
+          </a:p>
+          <a:p>
+            <a:r>
+              <a:rPr lang="en-US" dirty="0" smtClean="0"/>
+              <a:t>Advanced </a:t>
+            </a:r>
+            <a:r>
+              <a:rPr lang="en-US" dirty="0"/>
+              <a:t>features such as adaptive learning rate, rate annealing, momentum training, dropout, L1 or L2 regularization, </a:t>
+            </a:r>
+            <a:r>
+              <a:rPr lang="en-US" dirty="0" smtClean="0"/>
+              <a:t>check pointing </a:t>
+            </a:r>
+            <a:r>
+              <a:rPr lang="en-US" dirty="0"/>
+              <a:t>and grid search enable high predictive </a:t>
+            </a:r>
+            <a:r>
+              <a:rPr lang="en-US" dirty="0" smtClean="0"/>
+              <a:t>accuracy</a:t>
+            </a:r>
+            <a:endParaRPr lang="en-US" dirty="0"/>
+          </a:p>
+        </p:txBody>
+      </p:sp>
+      <p:sp>
+        <p:nvSpPr>
+          <p:cNvPr id="23" name="Rectangle 22"/>
+          <p:cNvSpPr/>
+          <p:nvPr/>
+        </p:nvSpPr>
+        <p:spPr>
+          <a:xfrm>
+            <a:off x="0" y="5551984"/>
+            <a:ext cx="12081510" cy="369332"/>
+          </a:xfrm>
+          <a:prstGeom prst="rect">
+            <a:avLst/>
+          </a:prstGeom>
+        </p:spPr>
+        <p:txBody>
+          <a:bodyPr wrap="square">
+            <a:spAutoFit/>
+          </a:bodyPr>
+          <a:lstStyle/>
+          <a:p>
+            <a:r>
+              <a:rPr lang="en-US" dirty="0" smtClean="0"/>
+              <a:t>Few other popular Deep learning platforms are : Apache Singa, Deeplearning4J, Chainer, ConvNetJs, Julia, BigDL, Torch etc. </a:t>
+            </a:r>
+            <a:endParaRPr lang="en-US" dirty="0"/>
+          </a:p>
+        </p:txBody>
+      </p:sp>
     </p:spTree>
     <p:extLst>
       <p:ext uri="{BB962C8B-B14F-4D97-AF65-F5344CB8AC3E}">
-        <p14:creationId xmlns:p14="http://schemas.microsoft.com/office/powerpoint/2010/main" val="33793381"/>
+        <p14:creationId xmlns:p14="http://schemas.microsoft.com/office/powerpoint/2010/main" val="1493371080"/>
+      </p:ext>
+    </p:extLst>
+  </p:cSld>
+  <p:clrMapOvr>
+    <a:masterClrMapping/>
+  </p:clrMapOvr>
+</p:sld>
+</file>
+
+<file path=ppt/slides/slide4.xml><?xml version="1.0" encoding="utf-8"?>
+<p:sld xmlns:a="http://schemas.openxmlformats.org/drawingml/2006/main" xmlns:r="http://schemas.openxmlformats.org/officeDocument/2006/relationships" xmlns:p="http://schemas.openxmlformats.org/presentationml/2006/main">
+  <p:cSld>
+    <p:spTree>
+      <p:nvGrpSpPr>
+        <p:cNvPr id="1" name=""/>
+        <p:cNvGrpSpPr/>
+        <p:nvPr/>
+      </p:nvGrpSpPr>
+      <p:grpSpPr>
+        <a:xfrm>
+          <a:off x="0" y="0"/>
+          <a:ext cx="0" cy="0"/>
+          <a:chOff x="0" y="0"/>
+          <a:chExt cx="0" cy="0"/>
+        </a:xfrm>
+      </p:grpSpPr>
+      <p:pic>
+        <p:nvPicPr>
+          <p:cNvPr id="4" name="Picture 3"/>
+          <p:cNvPicPr>
+            <a:picLocks noChangeAspect="1"/>
+          </p:cNvPicPr>
+          <p:nvPr/>
+        </p:nvPicPr>
+        <p:blipFill>
+          <a:blip r:embed="rId2"/>
+          <a:stretch>
+            <a:fillRect/>
+          </a:stretch>
+        </p:blipFill>
+        <p:spPr>
+          <a:xfrm>
+            <a:off x="6275070" y="338881"/>
+            <a:ext cx="5554980" cy="5989320"/>
+          </a:xfrm>
+          <a:prstGeom prst="rect">
+            <a:avLst/>
+          </a:prstGeom>
+        </p:spPr>
+      </p:pic>
+      <p:sp>
+        <p:nvSpPr>
+          <p:cNvPr id="5" name="Rectangle 4"/>
+          <p:cNvSpPr/>
+          <p:nvPr/>
+        </p:nvSpPr>
+        <p:spPr>
+          <a:xfrm>
+            <a:off x="156210" y="695890"/>
+            <a:ext cx="6004559" cy="5909310"/>
+          </a:xfrm>
+          <a:prstGeom prst="rect">
+            <a:avLst/>
+          </a:prstGeom>
+        </p:spPr>
+        <p:txBody>
+          <a:bodyPr wrap="square">
+            <a:spAutoFit/>
+          </a:bodyPr>
+          <a:lstStyle/>
+          <a:p>
+            <a:r>
+              <a:rPr lang="en-US" dirty="0"/>
+              <a:t>CNN preserves 2D spatial orientation in computer vision. Texts, like pictures, </a:t>
+            </a:r>
+            <a:r>
+              <a:rPr lang="en-US" dirty="0" smtClean="0"/>
+              <a:t>have </a:t>
+            </a:r>
+            <a:r>
+              <a:rPr lang="en-US" dirty="0"/>
+              <a:t>a one-dimensional structure where words sequence </a:t>
+            </a:r>
+            <a:r>
+              <a:rPr lang="en-US" dirty="0" smtClean="0"/>
+              <a:t>matter.</a:t>
+            </a:r>
+          </a:p>
+          <a:p>
+            <a:endParaRPr lang="en-US" dirty="0"/>
+          </a:p>
+          <a:p>
+            <a:r>
+              <a:rPr lang="en-US" dirty="0" smtClean="0"/>
+              <a:t>CNN </a:t>
+            </a:r>
+            <a:r>
+              <a:rPr lang="en-US" dirty="0"/>
+              <a:t>has been successful in various text classification </a:t>
+            </a:r>
+            <a:r>
+              <a:rPr lang="en-US" dirty="0" smtClean="0"/>
+              <a:t>tasks with </a:t>
+            </a:r>
+            <a:r>
+              <a:rPr lang="en-US" dirty="0"/>
+              <a:t>little </a:t>
+            </a:r>
+            <a:r>
+              <a:rPr lang="en-US" dirty="0" smtClean="0"/>
+              <a:t>hyper parameter </a:t>
+            </a:r>
+            <a:r>
+              <a:rPr lang="en-US" dirty="0"/>
+              <a:t>tuning</a:t>
+            </a:r>
+            <a:r>
+              <a:rPr lang="en-US" dirty="0" smtClean="0"/>
+              <a:t> </a:t>
+            </a:r>
+          </a:p>
+          <a:p>
+            <a:endParaRPr lang="en-US" dirty="0"/>
+          </a:p>
+          <a:p>
+            <a:r>
+              <a:rPr lang="en-US" dirty="0"/>
+              <a:t>Lets use </a:t>
+            </a:r>
+            <a:r>
+              <a:rPr lang="en-US" dirty="0"/>
+              <a:t>a one-layer CNN on a 7-word sentence, with word </a:t>
+            </a:r>
+            <a:r>
+              <a:rPr lang="en-US" dirty="0"/>
+              <a:t>embedding </a:t>
+            </a:r>
+            <a:r>
+              <a:rPr lang="en-US" dirty="0"/>
+              <a:t>of dimension </a:t>
+            </a:r>
+            <a:r>
+              <a:rPr lang="en-US" dirty="0" smtClean="0"/>
+              <a:t>5, which will give 7*5 word vector matrix</a:t>
+            </a:r>
+          </a:p>
+          <a:p>
+            <a:endParaRPr lang="en-US" dirty="0"/>
+          </a:p>
+          <a:p>
+            <a:r>
+              <a:rPr lang="en-US" dirty="0" smtClean="0"/>
+              <a:t>One dimension of filter has been fixed to be 5 and the height has been varied to get different feature captured</a:t>
+            </a:r>
+          </a:p>
+          <a:p>
+            <a:endParaRPr lang="en-US" dirty="0"/>
+          </a:p>
+          <a:p>
+            <a:r>
+              <a:rPr lang="en-US" dirty="0" smtClean="0"/>
+              <a:t>Convolution operation gives 1D vectors for each filters</a:t>
+            </a:r>
+          </a:p>
+          <a:p>
+            <a:endParaRPr lang="en-US" dirty="0"/>
+          </a:p>
+          <a:p>
+            <a:r>
+              <a:rPr lang="en-US" dirty="0" smtClean="0"/>
+              <a:t>Max pooling extracts the largest of each feature vectors and concatenate them to form the final fully connected layer</a:t>
+            </a:r>
+          </a:p>
+          <a:p>
+            <a:endParaRPr lang="en-US" dirty="0"/>
+          </a:p>
+          <a:p>
+            <a:r>
+              <a:rPr lang="en-US" dirty="0"/>
+              <a:t>This fixed </a:t>
+            </a:r>
+            <a:r>
+              <a:rPr lang="en-US" dirty="0" smtClean="0"/>
+              <a:t>length(fully-connected) </a:t>
+            </a:r>
+            <a:r>
+              <a:rPr lang="en-US" dirty="0"/>
+              <a:t>vector can then be fed into a </a:t>
+            </a:r>
+            <a:r>
+              <a:rPr lang="en-US" dirty="0" smtClean="0"/>
+              <a:t>softmax activation </a:t>
+            </a:r>
+            <a:r>
+              <a:rPr lang="en-US" dirty="0"/>
+              <a:t>to perform the </a:t>
+            </a:r>
+            <a:r>
+              <a:rPr lang="en-US" dirty="0" smtClean="0"/>
+              <a:t>classification</a:t>
+            </a:r>
+          </a:p>
+        </p:txBody>
+      </p:sp>
+    </p:spTree>
+    <p:extLst>
+      <p:ext uri="{BB962C8B-B14F-4D97-AF65-F5344CB8AC3E}">
+        <p14:creationId xmlns:p14="http://schemas.microsoft.com/office/powerpoint/2010/main" val="3408069060"/>
       </p:ext>
     </p:extLst>
   </p:cSld>
